--- a/AI 실전 4주차 - Data Augmentation.pptx
+++ b/AI 실전 4주차 - Data Augmentation.pptx
@@ -13,6 +13,14 @@
     <p:sldId id="288" r:id="rId7"/>
     <p:sldId id="289" r:id="rId8"/>
     <p:sldId id="291" r:id="rId9"/>
+    <p:sldId id="292" r:id="rId10"/>
+    <p:sldId id="293" r:id="rId11"/>
+    <p:sldId id="294" r:id="rId12"/>
+    <p:sldId id="295" r:id="rId13"/>
+    <p:sldId id="296" r:id="rId14"/>
+    <p:sldId id="297" r:id="rId15"/>
+    <p:sldId id="299" r:id="rId16"/>
+    <p:sldId id="298" r:id="rId17"/>
   </p:sldIdLst>
   <p:sldSz cx="12192000" cy="6858000"/>
   <p:notesSz cx="6858000" cy="9144000"/>
@@ -266,7 +274,7 @@
           <a:p>
             <a:fld id="{71D6B25D-FD41-4849-AE03-1D097D5377A0}" type="datetimeFigureOut">
               <a:rPr kumimoji="1" lang="ko-KR" altLang="en-US" smtClean="0"/>
-              <a:t>2025. 6. 7.</a:t>
+              <a:t>2025. 6. 8.</a:t>
             </a:fld>
             <a:endParaRPr kumimoji="1" lang="ko-KR" altLang="en-US"/>
           </a:p>
@@ -464,7 +472,7 @@
           <a:p>
             <a:fld id="{71D6B25D-FD41-4849-AE03-1D097D5377A0}" type="datetimeFigureOut">
               <a:rPr kumimoji="1" lang="ko-KR" altLang="en-US" smtClean="0"/>
-              <a:t>2025. 6. 7.</a:t>
+              <a:t>2025. 6. 8.</a:t>
             </a:fld>
             <a:endParaRPr kumimoji="1" lang="ko-KR" altLang="en-US"/>
           </a:p>
@@ -672,7 +680,7 @@
           <a:p>
             <a:fld id="{71D6B25D-FD41-4849-AE03-1D097D5377A0}" type="datetimeFigureOut">
               <a:rPr kumimoji="1" lang="ko-KR" altLang="en-US" smtClean="0"/>
-              <a:t>2025. 6. 7.</a:t>
+              <a:t>2025. 6. 8.</a:t>
             </a:fld>
             <a:endParaRPr kumimoji="1" lang="ko-KR" altLang="en-US"/>
           </a:p>
@@ -870,7 +878,7 @@
           <a:p>
             <a:fld id="{71D6B25D-FD41-4849-AE03-1D097D5377A0}" type="datetimeFigureOut">
               <a:rPr kumimoji="1" lang="ko-KR" altLang="en-US" smtClean="0"/>
-              <a:t>2025. 6. 7.</a:t>
+              <a:t>2025. 6. 8.</a:t>
             </a:fld>
             <a:endParaRPr kumimoji="1" lang="ko-KR" altLang="en-US"/>
           </a:p>
@@ -1145,7 +1153,7 @@
           <a:p>
             <a:fld id="{71D6B25D-FD41-4849-AE03-1D097D5377A0}" type="datetimeFigureOut">
               <a:rPr kumimoji="1" lang="ko-KR" altLang="en-US" smtClean="0"/>
-              <a:t>2025. 6. 7.</a:t>
+              <a:t>2025. 6. 8.</a:t>
             </a:fld>
             <a:endParaRPr kumimoji="1" lang="ko-KR" altLang="en-US"/>
           </a:p>
@@ -1410,7 +1418,7 @@
           <a:p>
             <a:fld id="{71D6B25D-FD41-4849-AE03-1D097D5377A0}" type="datetimeFigureOut">
               <a:rPr kumimoji="1" lang="ko-KR" altLang="en-US" smtClean="0"/>
-              <a:t>2025. 6. 7.</a:t>
+              <a:t>2025. 6. 8.</a:t>
             </a:fld>
             <a:endParaRPr kumimoji="1" lang="ko-KR" altLang="en-US"/>
           </a:p>
@@ -1822,7 +1830,7 @@
           <a:p>
             <a:fld id="{71D6B25D-FD41-4849-AE03-1D097D5377A0}" type="datetimeFigureOut">
               <a:rPr kumimoji="1" lang="ko-KR" altLang="en-US" smtClean="0"/>
-              <a:t>2025. 6. 7.</a:t>
+              <a:t>2025. 6. 8.</a:t>
             </a:fld>
             <a:endParaRPr kumimoji="1" lang="ko-KR" altLang="en-US"/>
           </a:p>
@@ -1963,7 +1971,7 @@
           <a:p>
             <a:fld id="{71D6B25D-FD41-4849-AE03-1D097D5377A0}" type="datetimeFigureOut">
               <a:rPr kumimoji="1" lang="ko-KR" altLang="en-US" smtClean="0"/>
-              <a:t>2025. 6. 7.</a:t>
+              <a:t>2025. 6. 8.</a:t>
             </a:fld>
             <a:endParaRPr kumimoji="1" lang="ko-KR" altLang="en-US"/>
           </a:p>
@@ -2076,7 +2084,7 @@
           <a:p>
             <a:fld id="{71D6B25D-FD41-4849-AE03-1D097D5377A0}" type="datetimeFigureOut">
               <a:rPr kumimoji="1" lang="ko-KR" altLang="en-US" smtClean="0"/>
-              <a:t>2025. 6. 7.</a:t>
+              <a:t>2025. 6. 8.</a:t>
             </a:fld>
             <a:endParaRPr kumimoji="1" lang="ko-KR" altLang="en-US"/>
           </a:p>
@@ -2387,7 +2395,7 @@
           <a:p>
             <a:fld id="{71D6B25D-FD41-4849-AE03-1D097D5377A0}" type="datetimeFigureOut">
               <a:rPr kumimoji="1" lang="ko-KR" altLang="en-US" smtClean="0"/>
-              <a:t>2025. 6. 7.</a:t>
+              <a:t>2025. 6. 8.</a:t>
             </a:fld>
             <a:endParaRPr kumimoji="1" lang="ko-KR" altLang="en-US"/>
           </a:p>
@@ -2675,7 +2683,7 @@
           <a:p>
             <a:fld id="{71D6B25D-FD41-4849-AE03-1D097D5377A0}" type="datetimeFigureOut">
               <a:rPr kumimoji="1" lang="ko-KR" altLang="en-US" smtClean="0"/>
-              <a:t>2025. 6. 7.</a:t>
+              <a:t>2025. 6. 8.</a:t>
             </a:fld>
             <a:endParaRPr kumimoji="1" lang="ko-KR" altLang="en-US"/>
           </a:p>
@@ -2916,7 +2924,7 @@
           <a:p>
             <a:fld id="{71D6B25D-FD41-4849-AE03-1D097D5377A0}" type="datetimeFigureOut">
               <a:rPr kumimoji="1" lang="ko-KR" altLang="en-US" smtClean="0"/>
-              <a:t>2025. 6. 7.</a:t>
+              <a:t>2025. 6. 8.</a:t>
             </a:fld>
             <a:endParaRPr kumimoji="1" lang="ko-KR" altLang="en-US"/>
           </a:p>
@@ -3424,6 +3432,695 @@
 </p:sld>
 </file>
 
+<file path=ppt/slides/slide10.xml><?xml version="1.0" encoding="utf-8"?>
+<p:sld xmlns:a="http://schemas.openxmlformats.org/drawingml/2006/main" xmlns:r="http://schemas.openxmlformats.org/officeDocument/2006/relationships" xmlns:p="http://schemas.openxmlformats.org/presentationml/2006/main">
+  <p:cSld>
+    <p:spTree>
+      <p:nvGrpSpPr>
+        <p:cNvPr id="1" name=""/>
+        <p:cNvGrpSpPr/>
+        <p:nvPr/>
+      </p:nvGrpSpPr>
+      <p:grpSpPr>
+        <a:xfrm>
+          <a:off x="0" y="0"/>
+          <a:ext cx="0" cy="0"/>
+          <a:chOff x="0" y="0"/>
+          <a:chExt cx="0" cy="0"/>
+        </a:xfrm>
+      </p:grpSpPr>
+      <p:sp>
+        <p:nvSpPr>
+          <p:cNvPr id="2" name="제목 1">
+            <a:extLst>
+              <a:ext uri="{FF2B5EF4-FFF2-40B4-BE49-F238E27FC236}">
+                <a16:creationId xmlns:a16="http://schemas.microsoft.com/office/drawing/2014/main" id="{28459185-F670-3319-E151-A54D9D5E5C84}"/>
+              </a:ext>
+            </a:extLst>
+          </p:cNvPr>
+          <p:cNvSpPr>
+            <a:spLocks noGrp="1"/>
+          </p:cNvSpPr>
+          <p:nvPr>
+            <p:ph type="title"/>
+          </p:nvPr>
+        </p:nvSpPr>
+        <p:spPr/>
+        <p:txBody>
+          <a:bodyPr/>
+          <a:lstStyle/>
+          <a:p>
+            <a:r>
+              <a:rPr kumimoji="1" lang="ko-KR" altLang="en-US" dirty="0"/>
+              <a:t>데이터 불러오기</a:t>
+            </a:r>
+          </a:p>
+        </p:txBody>
+      </p:sp>
+      <p:pic>
+        <p:nvPicPr>
+          <p:cNvPr id="5" name="내용 개체 틀 4" descr="스크린샷, 텍스트이(가) 표시된 사진&#10;&#10;AI 생성 콘텐츠는 정확하지 않을 수 있습니다.">
+            <a:extLst>
+              <a:ext uri="{FF2B5EF4-FFF2-40B4-BE49-F238E27FC236}">
+                <a16:creationId xmlns:a16="http://schemas.microsoft.com/office/drawing/2014/main" id="{4018E2E6-1289-E579-7D84-8C18AE90A551}"/>
+              </a:ext>
+            </a:extLst>
+          </p:cNvPr>
+          <p:cNvPicPr>
+            <a:picLocks noGrp="1" noChangeAspect="1"/>
+          </p:cNvPicPr>
+          <p:nvPr>
+            <p:ph idx="1"/>
+          </p:nvPr>
+        </p:nvPicPr>
+        <p:blipFill>
+          <a:blip r:embed="rId2"/>
+          <a:stretch>
+            <a:fillRect/>
+          </a:stretch>
+        </p:blipFill>
+        <p:spPr>
+          <a:xfrm>
+            <a:off x="838200" y="2683877"/>
+            <a:ext cx="10515600" cy="2634834"/>
+          </a:xfrm>
+        </p:spPr>
+      </p:pic>
+    </p:spTree>
+    <p:extLst>
+      <p:ext uri="{BB962C8B-B14F-4D97-AF65-F5344CB8AC3E}">
+        <p14:creationId xmlns:p14="http://schemas.microsoft.com/office/powerpoint/2010/main" val="1978681335"/>
+      </p:ext>
+    </p:extLst>
+  </p:cSld>
+  <p:clrMapOvr>
+    <a:masterClrMapping/>
+  </p:clrMapOvr>
+</p:sld>
+</file>
+
+<file path=ppt/slides/slide11.xml><?xml version="1.0" encoding="utf-8"?>
+<p:sld xmlns:a="http://schemas.openxmlformats.org/drawingml/2006/main" xmlns:r="http://schemas.openxmlformats.org/officeDocument/2006/relationships" xmlns:p="http://schemas.openxmlformats.org/presentationml/2006/main">
+  <p:cSld>
+    <p:spTree>
+      <p:nvGrpSpPr>
+        <p:cNvPr id="1" name=""/>
+        <p:cNvGrpSpPr/>
+        <p:nvPr/>
+      </p:nvGrpSpPr>
+      <p:grpSpPr>
+        <a:xfrm>
+          <a:off x="0" y="0"/>
+          <a:ext cx="0" cy="0"/>
+          <a:chOff x="0" y="0"/>
+          <a:chExt cx="0" cy="0"/>
+        </a:xfrm>
+      </p:grpSpPr>
+      <p:sp>
+        <p:nvSpPr>
+          <p:cNvPr id="2" name="제목 1">
+            <a:extLst>
+              <a:ext uri="{FF2B5EF4-FFF2-40B4-BE49-F238E27FC236}">
+                <a16:creationId xmlns:a16="http://schemas.microsoft.com/office/drawing/2014/main" id="{166C1E70-C6C3-C00F-A96B-A859BB9B6BFB}"/>
+              </a:ext>
+            </a:extLst>
+          </p:cNvPr>
+          <p:cNvSpPr>
+            <a:spLocks noGrp="1"/>
+          </p:cNvSpPr>
+          <p:nvPr>
+            <p:ph type="title"/>
+          </p:nvPr>
+        </p:nvSpPr>
+        <p:spPr/>
+        <p:txBody>
+          <a:bodyPr/>
+          <a:lstStyle/>
+          <a:p>
+            <a:r>
+              <a:rPr kumimoji="1" lang="en" altLang="ko-KR" dirty="0" err="1"/>
+              <a:t>ImageDataGenerator</a:t>
+            </a:r>
+            <a:r>
+              <a:rPr kumimoji="1" lang="ko-KR" altLang="en-US" dirty="0"/>
+              <a:t> 클래스 불러오기</a:t>
+            </a:r>
+          </a:p>
+        </p:txBody>
+      </p:sp>
+      <p:pic>
+        <p:nvPicPr>
+          <p:cNvPr id="5" name="내용 개체 틀 4" descr="텍스트, 스크린샷, 멀티미디어 소프트웨어, 소프트웨어이(가) 표시된 사진&#10;&#10;AI 생성 콘텐츠는 정확하지 않을 수 있습니다.">
+            <a:extLst>
+              <a:ext uri="{FF2B5EF4-FFF2-40B4-BE49-F238E27FC236}">
+                <a16:creationId xmlns:a16="http://schemas.microsoft.com/office/drawing/2014/main" id="{1FE671D9-54A1-9AAD-18B0-12D1DE01C462}"/>
+              </a:ext>
+            </a:extLst>
+          </p:cNvPr>
+          <p:cNvPicPr>
+            <a:picLocks noGrp="1" noChangeAspect="1"/>
+          </p:cNvPicPr>
+          <p:nvPr>
+            <p:ph idx="1"/>
+          </p:nvPr>
+        </p:nvPicPr>
+        <p:blipFill>
+          <a:blip r:embed="rId2"/>
+          <a:stretch>
+            <a:fillRect/>
+          </a:stretch>
+        </p:blipFill>
+        <p:spPr>
+          <a:xfrm>
+            <a:off x="1300869" y="1825625"/>
+            <a:ext cx="9590262" cy="4351338"/>
+          </a:xfrm>
+        </p:spPr>
+      </p:pic>
+    </p:spTree>
+    <p:extLst>
+      <p:ext uri="{BB962C8B-B14F-4D97-AF65-F5344CB8AC3E}">
+        <p14:creationId xmlns:p14="http://schemas.microsoft.com/office/powerpoint/2010/main" val="1064354355"/>
+      </p:ext>
+    </p:extLst>
+  </p:cSld>
+  <p:clrMapOvr>
+    <a:masterClrMapping/>
+  </p:clrMapOvr>
+</p:sld>
+</file>
+
+<file path=ppt/slides/slide12.xml><?xml version="1.0" encoding="utf-8"?>
+<p:sld xmlns:a="http://schemas.openxmlformats.org/drawingml/2006/main" xmlns:r="http://schemas.openxmlformats.org/officeDocument/2006/relationships" xmlns:p="http://schemas.openxmlformats.org/presentationml/2006/main">
+  <p:cSld>
+    <p:spTree>
+      <p:nvGrpSpPr>
+        <p:cNvPr id="1" name=""/>
+        <p:cNvGrpSpPr/>
+        <p:nvPr/>
+      </p:nvGrpSpPr>
+      <p:grpSpPr>
+        <a:xfrm>
+          <a:off x="0" y="0"/>
+          <a:ext cx="0" cy="0"/>
+          <a:chOff x="0" y="0"/>
+          <a:chExt cx="0" cy="0"/>
+        </a:xfrm>
+      </p:grpSpPr>
+      <p:sp>
+        <p:nvSpPr>
+          <p:cNvPr id="2" name="제목 1">
+            <a:extLst>
+              <a:ext uri="{FF2B5EF4-FFF2-40B4-BE49-F238E27FC236}">
+                <a16:creationId xmlns:a16="http://schemas.microsoft.com/office/drawing/2014/main" id="{F84ABB0F-758B-74EF-8ADA-561D2B0D385C}"/>
+              </a:ext>
+            </a:extLst>
+          </p:cNvPr>
+          <p:cNvSpPr>
+            <a:spLocks noGrp="1"/>
+          </p:cNvSpPr>
+          <p:nvPr>
+            <p:ph type="title"/>
+          </p:nvPr>
+        </p:nvSpPr>
+        <p:spPr/>
+        <p:txBody>
+          <a:bodyPr/>
+          <a:lstStyle/>
+          <a:p>
+            <a:r>
+              <a:rPr kumimoji="1" lang="ko-KR" altLang="en-US" dirty="0"/>
+              <a:t>이미지 데이터 미리보기</a:t>
+            </a:r>
+          </a:p>
+        </p:txBody>
+      </p:sp>
+      <p:pic>
+        <p:nvPicPr>
+          <p:cNvPr id="5" name="내용 개체 틀 4" descr="텍스트, 스크린샷, 멀티미디어 소프트웨어, 소프트웨어이(가) 표시된 사진&#10;&#10;AI 생성 콘텐츠는 정확하지 않을 수 있습니다.">
+            <a:extLst>
+              <a:ext uri="{FF2B5EF4-FFF2-40B4-BE49-F238E27FC236}">
+                <a16:creationId xmlns:a16="http://schemas.microsoft.com/office/drawing/2014/main" id="{3FAA0773-83AF-7B2A-74C2-5CF63EEB96D9}"/>
+              </a:ext>
+            </a:extLst>
+          </p:cNvPr>
+          <p:cNvPicPr>
+            <a:picLocks noGrp="1" noChangeAspect="1"/>
+          </p:cNvPicPr>
+          <p:nvPr>
+            <p:ph idx="1"/>
+          </p:nvPr>
+        </p:nvPicPr>
+        <p:blipFill>
+          <a:blip r:embed="rId2"/>
+          <a:stretch>
+            <a:fillRect/>
+          </a:stretch>
+        </p:blipFill>
+        <p:spPr>
+          <a:xfrm>
+            <a:off x="1300869" y="1825625"/>
+            <a:ext cx="9590262" cy="4351338"/>
+          </a:xfrm>
+        </p:spPr>
+      </p:pic>
+    </p:spTree>
+    <p:extLst>
+      <p:ext uri="{BB962C8B-B14F-4D97-AF65-F5344CB8AC3E}">
+        <p14:creationId xmlns:p14="http://schemas.microsoft.com/office/powerpoint/2010/main" val="855659869"/>
+      </p:ext>
+    </p:extLst>
+  </p:cSld>
+  <p:clrMapOvr>
+    <a:masterClrMapping/>
+  </p:clrMapOvr>
+</p:sld>
+</file>
+
+<file path=ppt/slides/slide13.xml><?xml version="1.0" encoding="utf-8"?>
+<p:sld xmlns:a="http://schemas.openxmlformats.org/drawingml/2006/main" xmlns:r="http://schemas.openxmlformats.org/officeDocument/2006/relationships" xmlns:p="http://schemas.openxmlformats.org/presentationml/2006/main">
+  <p:cSld>
+    <p:spTree>
+      <p:nvGrpSpPr>
+        <p:cNvPr id="1" name=""/>
+        <p:cNvGrpSpPr/>
+        <p:nvPr/>
+      </p:nvGrpSpPr>
+      <p:grpSpPr>
+        <a:xfrm>
+          <a:off x="0" y="0"/>
+          <a:ext cx="0" cy="0"/>
+          <a:chOff x="0" y="0"/>
+          <a:chExt cx="0" cy="0"/>
+        </a:xfrm>
+      </p:grpSpPr>
+      <p:sp>
+        <p:nvSpPr>
+          <p:cNvPr id="2" name="제목 1">
+            <a:extLst>
+              <a:ext uri="{FF2B5EF4-FFF2-40B4-BE49-F238E27FC236}">
+                <a16:creationId xmlns:a16="http://schemas.microsoft.com/office/drawing/2014/main" id="{1F06B94C-2FCF-FED4-2290-F40AFB6723E3}"/>
+              </a:ext>
+            </a:extLst>
+          </p:cNvPr>
+          <p:cNvSpPr>
+            <a:spLocks noGrp="1"/>
+          </p:cNvSpPr>
+          <p:nvPr>
+            <p:ph type="title"/>
+          </p:nvPr>
+        </p:nvSpPr>
+        <p:spPr/>
+        <p:txBody>
+          <a:bodyPr/>
+          <a:lstStyle/>
+          <a:p>
+            <a:r>
+              <a:rPr kumimoji="1" lang="en-US" altLang="ko-KR" dirty="0"/>
+              <a:t>CNN </a:t>
+            </a:r>
+            <a:r>
+              <a:rPr kumimoji="1" lang="ko-KR" altLang="en-US" dirty="0"/>
+              <a:t>모델 만들기</a:t>
+            </a:r>
+          </a:p>
+        </p:txBody>
+      </p:sp>
+      <p:pic>
+        <p:nvPicPr>
+          <p:cNvPr id="5" name="내용 개체 틀 4" descr="텍스트, 스크린샷이(가) 표시된 사진&#10;&#10;AI 생성 콘텐츠는 정확하지 않을 수 있습니다.">
+            <a:extLst>
+              <a:ext uri="{FF2B5EF4-FFF2-40B4-BE49-F238E27FC236}">
+                <a16:creationId xmlns:a16="http://schemas.microsoft.com/office/drawing/2014/main" id="{8E3B3C33-53D6-7775-30EF-4D89D5D6273D}"/>
+              </a:ext>
+            </a:extLst>
+          </p:cNvPr>
+          <p:cNvPicPr>
+            <a:picLocks noGrp="1" noChangeAspect="1"/>
+          </p:cNvPicPr>
+          <p:nvPr>
+            <p:ph idx="1"/>
+          </p:nvPr>
+        </p:nvPicPr>
+        <p:blipFill>
+          <a:blip r:embed="rId2"/>
+          <a:stretch>
+            <a:fillRect/>
+          </a:stretch>
+        </p:blipFill>
+        <p:spPr>
+          <a:xfrm>
+            <a:off x="838200" y="1829336"/>
+            <a:ext cx="10515600" cy="4343916"/>
+          </a:xfrm>
+        </p:spPr>
+      </p:pic>
+    </p:spTree>
+    <p:extLst>
+      <p:ext uri="{BB962C8B-B14F-4D97-AF65-F5344CB8AC3E}">
+        <p14:creationId xmlns:p14="http://schemas.microsoft.com/office/powerpoint/2010/main" val="1233552948"/>
+      </p:ext>
+    </p:extLst>
+  </p:cSld>
+  <p:clrMapOvr>
+    <a:masterClrMapping/>
+  </p:clrMapOvr>
+</p:sld>
+</file>
+
+<file path=ppt/slides/slide14.xml><?xml version="1.0" encoding="utf-8"?>
+<p:sld xmlns:a="http://schemas.openxmlformats.org/drawingml/2006/main" xmlns:r="http://schemas.openxmlformats.org/officeDocument/2006/relationships" xmlns:p="http://schemas.openxmlformats.org/presentationml/2006/main">
+  <p:cSld>
+    <p:spTree>
+      <p:nvGrpSpPr>
+        <p:cNvPr id="1" name=""/>
+        <p:cNvGrpSpPr/>
+        <p:nvPr/>
+      </p:nvGrpSpPr>
+      <p:grpSpPr>
+        <a:xfrm>
+          <a:off x="0" y="0"/>
+          <a:ext cx="0" cy="0"/>
+          <a:chOff x="0" y="0"/>
+          <a:chExt cx="0" cy="0"/>
+        </a:xfrm>
+      </p:grpSpPr>
+      <p:sp>
+        <p:nvSpPr>
+          <p:cNvPr id="2" name="제목 1">
+            <a:extLst>
+              <a:ext uri="{FF2B5EF4-FFF2-40B4-BE49-F238E27FC236}">
+                <a16:creationId xmlns:a16="http://schemas.microsoft.com/office/drawing/2014/main" id="{3C05DB65-1B3F-62E8-C11F-31CADFE1228D}"/>
+              </a:ext>
+            </a:extLst>
+          </p:cNvPr>
+          <p:cNvSpPr>
+            <a:spLocks noGrp="1"/>
+          </p:cNvSpPr>
+          <p:nvPr>
+            <p:ph type="title"/>
+          </p:nvPr>
+        </p:nvSpPr>
+        <p:spPr/>
+        <p:txBody>
+          <a:bodyPr/>
+          <a:lstStyle/>
+          <a:p>
+            <a:r>
+              <a:rPr kumimoji="1" lang="ko-KR" altLang="en-US" dirty="0"/>
+              <a:t>모델 설정하고</a:t>
+            </a:r>
+            <a:r>
+              <a:rPr kumimoji="1" lang="en-US" altLang="ko-KR" dirty="0"/>
+              <a:t>,</a:t>
+            </a:r>
+            <a:r>
+              <a:rPr kumimoji="1" lang="ko-KR" altLang="en-US" dirty="0"/>
+              <a:t> 데이터 증강 포함 학습</a:t>
+            </a:r>
+          </a:p>
+        </p:txBody>
+      </p:sp>
+      <p:pic>
+        <p:nvPicPr>
+          <p:cNvPr id="5" name="내용 개체 틀 4" descr="텍스트, 스크린샷이(가) 표시된 사진&#10;&#10;AI 생성 콘텐츠는 정확하지 않을 수 있습니다.">
+            <a:extLst>
+              <a:ext uri="{FF2B5EF4-FFF2-40B4-BE49-F238E27FC236}">
+                <a16:creationId xmlns:a16="http://schemas.microsoft.com/office/drawing/2014/main" id="{37481D81-1D7B-5491-4503-22462C18747C}"/>
+              </a:ext>
+            </a:extLst>
+          </p:cNvPr>
+          <p:cNvPicPr>
+            <a:picLocks noGrp="1" noChangeAspect="1"/>
+          </p:cNvPicPr>
+          <p:nvPr>
+            <p:ph idx="1"/>
+          </p:nvPr>
+        </p:nvPicPr>
+        <p:blipFill>
+          <a:blip r:embed="rId2"/>
+          <a:stretch>
+            <a:fillRect/>
+          </a:stretch>
+        </p:blipFill>
+        <p:spPr>
+          <a:xfrm>
+            <a:off x="838200" y="2042971"/>
+            <a:ext cx="10515600" cy="3916645"/>
+          </a:xfrm>
+        </p:spPr>
+      </p:pic>
+    </p:spTree>
+    <p:extLst>
+      <p:ext uri="{BB962C8B-B14F-4D97-AF65-F5344CB8AC3E}">
+        <p14:creationId xmlns:p14="http://schemas.microsoft.com/office/powerpoint/2010/main" val="977150030"/>
+      </p:ext>
+    </p:extLst>
+  </p:cSld>
+  <p:clrMapOvr>
+    <a:masterClrMapping/>
+  </p:clrMapOvr>
+</p:sld>
+</file>
+
+<file path=ppt/slides/slide15.xml><?xml version="1.0" encoding="utf-8"?>
+<p:sld xmlns:a="http://schemas.openxmlformats.org/drawingml/2006/main" xmlns:r="http://schemas.openxmlformats.org/officeDocument/2006/relationships" xmlns:p="http://schemas.openxmlformats.org/presentationml/2006/main">
+  <p:cSld>
+    <p:spTree>
+      <p:nvGrpSpPr>
+        <p:cNvPr id="1" name=""/>
+        <p:cNvGrpSpPr/>
+        <p:nvPr/>
+      </p:nvGrpSpPr>
+      <p:grpSpPr>
+        <a:xfrm>
+          <a:off x="0" y="0"/>
+          <a:ext cx="0" cy="0"/>
+          <a:chOff x="0" y="0"/>
+          <a:chExt cx="0" cy="0"/>
+        </a:xfrm>
+      </p:grpSpPr>
+      <p:sp>
+        <p:nvSpPr>
+          <p:cNvPr id="2" name="제목 1">
+            <a:extLst>
+              <a:ext uri="{FF2B5EF4-FFF2-40B4-BE49-F238E27FC236}">
+                <a16:creationId xmlns:a16="http://schemas.microsoft.com/office/drawing/2014/main" id="{623BF174-BA30-7065-8884-209D418E113A}"/>
+              </a:ext>
+            </a:extLst>
+          </p:cNvPr>
+          <p:cNvSpPr>
+            <a:spLocks noGrp="1"/>
+          </p:cNvSpPr>
+          <p:nvPr>
+            <p:ph type="title"/>
+          </p:nvPr>
+        </p:nvSpPr>
+        <p:spPr/>
+        <p:txBody>
+          <a:bodyPr/>
+          <a:lstStyle/>
+          <a:p>
+            <a:r>
+              <a:rPr kumimoji="1" lang="ko-KR" altLang="en-US" dirty="0"/>
+              <a:t>자연어 한국어 전용 </a:t>
+            </a:r>
+            <a:r>
+              <a:rPr kumimoji="1" lang="en-US" altLang="ko-KR" dirty="0"/>
+              <a:t>EDA</a:t>
+            </a:r>
+            <a:endParaRPr kumimoji="1" lang="ko-KR" altLang="en-US" dirty="0"/>
+          </a:p>
+        </p:txBody>
+      </p:sp>
+      <p:pic>
+        <p:nvPicPr>
+          <p:cNvPr id="5" name="내용 개체 틀 4">
+            <a:extLst>
+              <a:ext uri="{FF2B5EF4-FFF2-40B4-BE49-F238E27FC236}">
+                <a16:creationId xmlns:a16="http://schemas.microsoft.com/office/drawing/2014/main" id="{14FCD4F1-E2E6-A333-8B97-EEA6F8CE31FF}"/>
+              </a:ext>
+            </a:extLst>
+          </p:cNvPr>
+          <p:cNvPicPr>
+            <a:picLocks noGrp="1" noChangeAspect="1"/>
+          </p:cNvPicPr>
+          <p:nvPr>
+            <p:ph idx="1"/>
+          </p:nvPr>
+        </p:nvPicPr>
+        <p:blipFill>
+          <a:blip r:embed="rId2"/>
+          <a:stretch>
+            <a:fillRect/>
+          </a:stretch>
+        </p:blipFill>
+        <p:spPr>
+          <a:xfrm>
+            <a:off x="1834073" y="1825625"/>
+            <a:ext cx="8523853" cy="4351338"/>
+          </a:xfrm>
+          <a:prstGeom prst="rect">
+            <a:avLst/>
+          </a:prstGeom>
+        </p:spPr>
+      </p:pic>
+      <p:sp>
+        <p:nvSpPr>
+          <p:cNvPr id="4" name="TextBox 3">
+            <a:extLst>
+              <a:ext uri="{FF2B5EF4-FFF2-40B4-BE49-F238E27FC236}">
+                <a16:creationId xmlns:a16="http://schemas.microsoft.com/office/drawing/2014/main" id="{AEB73CC3-2EDB-FD6E-9F05-CFE3F7CD8437}"/>
+              </a:ext>
+            </a:extLst>
+          </p:cNvPr>
+          <p:cNvSpPr txBox="1"/>
+          <p:nvPr/>
+        </p:nvSpPr>
+        <p:spPr>
+          <a:xfrm>
+            <a:off x="838200" y="6450227"/>
+            <a:ext cx="4286110" cy="369332"/>
+          </a:xfrm>
+          <a:prstGeom prst="rect">
+            <a:avLst/>
+          </a:prstGeom>
+          <a:noFill/>
+        </p:spPr>
+        <p:txBody>
+          <a:bodyPr wrap="none" rtlCol="0">
+            <a:spAutoFit/>
+          </a:bodyPr>
+          <a:lstStyle/>
+          <a:p>
+            <a:r>
+              <a:rPr kumimoji="1" lang="en" altLang="ko-KR" dirty="0"/>
+              <a:t>https://</a:t>
+            </a:r>
+            <a:r>
+              <a:rPr kumimoji="1" lang="en" altLang="ko-KR" dirty="0" err="1"/>
+              <a:t>github.com</a:t>
+            </a:r>
+            <a:r>
+              <a:rPr kumimoji="1" lang="en" altLang="ko-KR" dirty="0"/>
+              <a:t>/jucho2725/</a:t>
+            </a:r>
+            <a:r>
+              <a:rPr kumimoji="1" lang="en" altLang="ko-KR" dirty="0" err="1"/>
+              <a:t>ktextaug</a:t>
+            </a:r>
+            <a:endParaRPr kumimoji="1" lang="ko-KR" altLang="en-US" dirty="0"/>
+          </a:p>
+        </p:txBody>
+      </p:sp>
+    </p:spTree>
+    <p:extLst>
+      <p:ext uri="{BB962C8B-B14F-4D97-AF65-F5344CB8AC3E}">
+        <p14:creationId xmlns:p14="http://schemas.microsoft.com/office/powerpoint/2010/main" val="1918236640"/>
+      </p:ext>
+    </p:extLst>
+  </p:cSld>
+  <p:clrMapOvr>
+    <a:masterClrMapping/>
+  </p:clrMapOvr>
+</p:sld>
+</file>
+
+<file path=ppt/slides/slide16.xml><?xml version="1.0" encoding="utf-8"?>
+<p:sld xmlns:a="http://schemas.openxmlformats.org/drawingml/2006/main" xmlns:r="http://schemas.openxmlformats.org/officeDocument/2006/relationships" xmlns:p="http://schemas.openxmlformats.org/presentationml/2006/main">
+  <p:cSld>
+    <p:spTree>
+      <p:nvGrpSpPr>
+        <p:cNvPr id="1" name=""/>
+        <p:cNvGrpSpPr/>
+        <p:nvPr/>
+      </p:nvGrpSpPr>
+      <p:grpSpPr>
+        <a:xfrm>
+          <a:off x="0" y="0"/>
+          <a:ext cx="0" cy="0"/>
+          <a:chOff x="0" y="0"/>
+          <a:chExt cx="0" cy="0"/>
+        </a:xfrm>
+      </p:grpSpPr>
+      <p:sp>
+        <p:nvSpPr>
+          <p:cNvPr id="2" name="제목 1">
+            <a:extLst>
+              <a:ext uri="{FF2B5EF4-FFF2-40B4-BE49-F238E27FC236}">
+                <a16:creationId xmlns:a16="http://schemas.microsoft.com/office/drawing/2014/main" id="{55F4CA9D-EFC4-723F-2B01-5256388C9AAE}"/>
+              </a:ext>
+            </a:extLst>
+          </p:cNvPr>
+          <p:cNvSpPr>
+            <a:spLocks noGrp="1"/>
+          </p:cNvSpPr>
+          <p:nvPr>
+            <p:ph type="title"/>
+          </p:nvPr>
+        </p:nvSpPr>
+        <p:spPr/>
+        <p:txBody>
+          <a:bodyPr/>
+          <a:lstStyle/>
+          <a:p>
+            <a:r>
+              <a:rPr kumimoji="1" lang="ko-KR" altLang="en-US" dirty="0"/>
+              <a:t>한국어 전용 </a:t>
+            </a:r>
+            <a:r>
+              <a:rPr kumimoji="1" lang="en-US" altLang="ko-KR" dirty="0"/>
+              <a:t>EDA </a:t>
+            </a:r>
+            <a:r>
+              <a:rPr kumimoji="1" lang="ko-KR" altLang="en-US" dirty="0"/>
+              <a:t>적용</a:t>
+            </a:r>
+          </a:p>
+        </p:txBody>
+      </p:sp>
+      <p:pic>
+        <p:nvPicPr>
+          <p:cNvPr id="5" name="내용 개체 틀 4" descr="텍스트, 스크린샷이(가) 표시된 사진&#10;&#10;AI 생성 콘텐츠는 정확하지 않을 수 있습니다.">
+            <a:extLst>
+              <a:ext uri="{FF2B5EF4-FFF2-40B4-BE49-F238E27FC236}">
+                <a16:creationId xmlns:a16="http://schemas.microsoft.com/office/drawing/2014/main" id="{1E52236B-3420-237C-7284-9E1C82013D6E}"/>
+              </a:ext>
+            </a:extLst>
+          </p:cNvPr>
+          <p:cNvPicPr>
+            <a:picLocks noGrp="1" noChangeAspect="1"/>
+          </p:cNvPicPr>
+          <p:nvPr>
+            <p:ph idx="1"/>
+          </p:nvPr>
+        </p:nvPicPr>
+        <p:blipFill>
+          <a:blip r:embed="rId2"/>
+          <a:stretch>
+            <a:fillRect/>
+          </a:stretch>
+        </p:blipFill>
+        <p:spPr>
+          <a:xfrm>
+            <a:off x="838200" y="2149789"/>
+            <a:ext cx="10515600" cy="3703010"/>
+          </a:xfrm>
+        </p:spPr>
+      </p:pic>
+    </p:spTree>
+    <p:extLst>
+      <p:ext uri="{BB962C8B-B14F-4D97-AF65-F5344CB8AC3E}">
+        <p14:creationId xmlns:p14="http://schemas.microsoft.com/office/powerpoint/2010/main" val="3780134212"/>
+      </p:ext>
+    </p:extLst>
+  </p:cSld>
+  <p:clrMapOvr>
+    <a:masterClrMapping/>
+  </p:clrMapOvr>
+</p:sld>
+</file>
+
 <file path=ppt/slides/slide2.xml><?xml version="1.0" encoding="utf-8"?>
 <p:sld xmlns:a="http://schemas.openxmlformats.org/drawingml/2006/main" xmlns:r="http://schemas.openxmlformats.org/officeDocument/2006/relationships" xmlns:p="http://schemas.openxmlformats.org/presentationml/2006/main">
   <p:cSld>
@@ -4876,6 +5573,93 @@
     <p:extLst>
       <p:ext uri="{BB962C8B-B14F-4D97-AF65-F5344CB8AC3E}">
         <p14:creationId xmlns:p14="http://schemas.microsoft.com/office/powerpoint/2010/main" val="2131795426"/>
+      </p:ext>
+    </p:extLst>
+  </p:cSld>
+  <p:clrMapOvr>
+    <a:masterClrMapping/>
+  </p:clrMapOvr>
+</p:sld>
+</file>
+
+<file path=ppt/slides/slide9.xml><?xml version="1.0" encoding="utf-8"?>
+<p:sld xmlns:a="http://schemas.openxmlformats.org/drawingml/2006/main" xmlns:r="http://schemas.openxmlformats.org/officeDocument/2006/relationships" xmlns:p="http://schemas.openxmlformats.org/presentationml/2006/main">
+  <p:cSld>
+    <p:spTree>
+      <p:nvGrpSpPr>
+        <p:cNvPr id="1" name=""/>
+        <p:cNvGrpSpPr/>
+        <p:nvPr/>
+      </p:nvGrpSpPr>
+      <p:grpSpPr>
+        <a:xfrm>
+          <a:off x="0" y="0"/>
+          <a:ext cx="0" cy="0"/>
+          <a:chOff x="0" y="0"/>
+          <a:chExt cx="0" cy="0"/>
+        </a:xfrm>
+      </p:grpSpPr>
+      <p:sp>
+        <p:nvSpPr>
+          <p:cNvPr id="5" name="제목 4">
+            <a:extLst>
+              <a:ext uri="{FF2B5EF4-FFF2-40B4-BE49-F238E27FC236}">
+                <a16:creationId xmlns:a16="http://schemas.microsoft.com/office/drawing/2014/main" id="{10D394B3-838E-1812-BA8C-1B51090ABCD8}"/>
+              </a:ext>
+            </a:extLst>
+          </p:cNvPr>
+          <p:cNvSpPr>
+            <a:spLocks noGrp="1"/>
+          </p:cNvSpPr>
+          <p:nvPr>
+            <p:ph type="title"/>
+          </p:nvPr>
+        </p:nvSpPr>
+        <p:spPr/>
+        <p:txBody>
+          <a:bodyPr/>
+          <a:lstStyle/>
+          <a:p>
+            <a:r>
+              <a:rPr lang="ko-KR" altLang="en-US" dirty="0"/>
+              <a:t>필요한 라이브러리 불러오기</a:t>
+            </a:r>
+          </a:p>
+        </p:txBody>
+      </p:sp>
+      <p:pic>
+        <p:nvPicPr>
+          <p:cNvPr id="8" name="내용 개체 틀 7" descr="텍스트, 스크린샷, 폰트이(가) 표시된 사진&#10;&#10;AI 생성 콘텐츠는 정확하지 않을 수 있습니다.">
+            <a:extLst>
+              <a:ext uri="{FF2B5EF4-FFF2-40B4-BE49-F238E27FC236}">
+                <a16:creationId xmlns:a16="http://schemas.microsoft.com/office/drawing/2014/main" id="{F0233C7F-4843-FCD8-81B5-1270FC352955}"/>
+              </a:ext>
+            </a:extLst>
+          </p:cNvPr>
+          <p:cNvPicPr>
+            <a:picLocks noGrp="1" noChangeAspect="1"/>
+          </p:cNvPicPr>
+          <p:nvPr>
+            <p:ph idx="1"/>
+          </p:nvPr>
+        </p:nvPicPr>
+        <p:blipFill>
+          <a:blip r:embed="rId2"/>
+          <a:stretch>
+            <a:fillRect/>
+          </a:stretch>
+        </p:blipFill>
+        <p:spPr>
+          <a:xfrm>
+            <a:off x="1229783" y="1971107"/>
+            <a:ext cx="9732433" cy="4129881"/>
+          </a:xfrm>
+        </p:spPr>
+      </p:pic>
+    </p:spTree>
+    <p:extLst>
+      <p:ext uri="{BB962C8B-B14F-4D97-AF65-F5344CB8AC3E}">
+        <p14:creationId xmlns:p14="http://schemas.microsoft.com/office/powerpoint/2010/main" val="4117243305"/>
       </p:ext>
     </p:extLst>
   </p:cSld>
